--- a/relazione/Schemi a stati finiti/SJF/schema a stati finiti SJF.pptx
+++ b/relazione/Schemi a stati finiti/SJF/schema a stati finiti SJF.pptx
@@ -104,6 +104,11 @@
       </a:defRPr>
     </a:lvl9pPr>
   </p:defaultTextStyle>
+  <p:extLst>
+    <p:ext uri="{EFAFB233-063F-42B5-8137-9DF3F51BA10A}">
+      <p15:sldGuideLst xmlns:p15="http://schemas.microsoft.com/office/powerpoint/2012/main"/>
+    </p:ext>
+  </p:extLst>
 </p:presentation>
 </file>
 
@@ -254,7 +259,7 @@
           <a:p>
             <a:fld id="{DD566367-09BA-4E58-92E1-375BCC0AD89D}" type="datetimeFigureOut">
               <a:rPr lang="it-IT" smtClean="0"/>
-              <a:t>17/11/2020</a:t>
+              <a:t>01/12/2020</a:t>
             </a:fld>
             <a:endParaRPr lang="it-IT"/>
           </a:p>
@@ -452,7 +457,7 @@
           <a:p>
             <a:fld id="{DD566367-09BA-4E58-92E1-375BCC0AD89D}" type="datetimeFigureOut">
               <a:rPr lang="it-IT" smtClean="0"/>
-              <a:t>17/11/2020</a:t>
+              <a:t>01/12/2020</a:t>
             </a:fld>
             <a:endParaRPr lang="it-IT"/>
           </a:p>
@@ -660,7 +665,7 @@
           <a:p>
             <a:fld id="{DD566367-09BA-4E58-92E1-375BCC0AD89D}" type="datetimeFigureOut">
               <a:rPr lang="it-IT" smtClean="0"/>
-              <a:t>17/11/2020</a:t>
+              <a:t>01/12/2020</a:t>
             </a:fld>
             <a:endParaRPr lang="it-IT"/>
           </a:p>
@@ -858,7 +863,7 @@
           <a:p>
             <a:fld id="{DD566367-09BA-4E58-92E1-375BCC0AD89D}" type="datetimeFigureOut">
               <a:rPr lang="it-IT" smtClean="0"/>
-              <a:t>17/11/2020</a:t>
+              <a:t>01/12/2020</a:t>
             </a:fld>
             <a:endParaRPr lang="it-IT"/>
           </a:p>
@@ -1133,7 +1138,7 @@
           <a:p>
             <a:fld id="{DD566367-09BA-4E58-92E1-375BCC0AD89D}" type="datetimeFigureOut">
               <a:rPr lang="it-IT" smtClean="0"/>
-              <a:t>17/11/2020</a:t>
+              <a:t>01/12/2020</a:t>
             </a:fld>
             <a:endParaRPr lang="it-IT"/>
           </a:p>
@@ -1398,7 +1403,7 @@
           <a:p>
             <a:fld id="{DD566367-09BA-4E58-92E1-375BCC0AD89D}" type="datetimeFigureOut">
               <a:rPr lang="it-IT" smtClean="0"/>
-              <a:t>17/11/2020</a:t>
+              <a:t>01/12/2020</a:t>
             </a:fld>
             <a:endParaRPr lang="it-IT"/>
           </a:p>
@@ -1810,7 +1815,7 @@
           <a:p>
             <a:fld id="{DD566367-09BA-4E58-92E1-375BCC0AD89D}" type="datetimeFigureOut">
               <a:rPr lang="it-IT" smtClean="0"/>
-              <a:t>17/11/2020</a:t>
+              <a:t>01/12/2020</a:t>
             </a:fld>
             <a:endParaRPr lang="it-IT"/>
           </a:p>
@@ -1951,7 +1956,7 @@
           <a:p>
             <a:fld id="{DD566367-09BA-4E58-92E1-375BCC0AD89D}" type="datetimeFigureOut">
               <a:rPr lang="it-IT" smtClean="0"/>
-              <a:t>17/11/2020</a:t>
+              <a:t>01/12/2020</a:t>
             </a:fld>
             <a:endParaRPr lang="it-IT"/>
           </a:p>
@@ -2064,7 +2069,7 @@
           <a:p>
             <a:fld id="{DD566367-09BA-4E58-92E1-375BCC0AD89D}" type="datetimeFigureOut">
               <a:rPr lang="it-IT" smtClean="0"/>
-              <a:t>17/11/2020</a:t>
+              <a:t>01/12/2020</a:t>
             </a:fld>
             <a:endParaRPr lang="it-IT"/>
           </a:p>
@@ -2375,7 +2380,7 @@
           <a:p>
             <a:fld id="{DD566367-09BA-4E58-92E1-375BCC0AD89D}" type="datetimeFigureOut">
               <a:rPr lang="it-IT" smtClean="0"/>
-              <a:t>17/11/2020</a:t>
+              <a:t>01/12/2020</a:t>
             </a:fld>
             <a:endParaRPr lang="it-IT"/>
           </a:p>
@@ -2663,7 +2668,7 @@
           <a:p>
             <a:fld id="{DD566367-09BA-4E58-92E1-375BCC0AD89D}" type="datetimeFigureOut">
               <a:rPr lang="it-IT" smtClean="0"/>
-              <a:t>17/11/2020</a:t>
+              <a:t>01/12/2020</a:t>
             </a:fld>
             <a:endParaRPr lang="it-IT"/>
           </a:p>
@@ -2904,7 +2909,7 @@
           <a:p>
             <a:fld id="{DD566367-09BA-4E58-92E1-375BCC0AD89D}" type="datetimeFigureOut">
               <a:rPr lang="it-IT" smtClean="0"/>
-              <a:t>17/11/2020</a:t>
+              <a:t>01/12/2020</a:t>
             </a:fld>
             <a:endParaRPr lang="it-IT"/>
           </a:p>
@@ -3545,8 +3550,8 @@
         </p:nvSpPr>
         <p:spPr>
           <a:xfrm>
-            <a:off x="382772" y="2434579"/>
-            <a:ext cx="1520455" cy="276999"/>
+            <a:off x="148859" y="2385484"/>
+            <a:ext cx="1963477" cy="307777"/>
           </a:xfrm>
           <a:prstGeom prst="rect">
             <a:avLst/>
@@ -3560,11 +3565,11 @@
           <a:lstStyle/>
           <a:p>
             <a:r>
-              <a:rPr lang="it-IT" sz="1200" dirty="0" err="1"/>
+              <a:rPr lang="it-IT" sz="1400" b="1" dirty="0" err="1"/>
               <a:t>time_arrive</a:t>
             </a:r>
             <a:r>
-              <a:rPr lang="it-IT" sz="1200" dirty="0"/>
+              <a:rPr lang="it-IT" sz="1400" b="1" dirty="0"/>
               <a:t> == timing</a:t>
             </a:r>
           </a:p>
@@ -3721,7 +3726,7 @@
         <p:spPr>
           <a:xfrm>
             <a:off x="4077586" y="2539373"/>
-            <a:ext cx="2328530" cy="461665"/>
+            <a:ext cx="2589028" cy="523220"/>
           </a:xfrm>
           <a:prstGeom prst="rect">
             <a:avLst/>
@@ -3735,15 +3740,15 @@
           <a:lstStyle/>
           <a:p>
             <a:r>
-              <a:rPr lang="it-IT" sz="1200" dirty="0"/>
+              <a:rPr lang="it-IT" sz="1400" b="1" dirty="0"/>
               <a:t>count_is_running &lt; num_core  &amp;&amp;  </a:t>
             </a:r>
             <a:r>
-              <a:rPr lang="it-IT" sz="1200" dirty="0" err="1"/>
+              <a:rPr lang="it-IT" sz="1400" b="1" dirty="0" err="1"/>
               <a:t>job_is_minimun</a:t>
             </a:r>
             <a:r>
-              <a:rPr lang="it-IT" sz="1200" dirty="0"/>
+              <a:rPr lang="it-IT" sz="1400" b="1" dirty="0"/>
               <a:t>(num_core)</a:t>
             </a:r>
           </a:p>
@@ -3893,8 +3898,8 @@
         </p:nvSpPr>
         <p:spPr>
           <a:xfrm>
-            <a:off x="1212113" y="3855154"/>
-            <a:ext cx="2328530" cy="461665"/>
+            <a:off x="786809" y="3855154"/>
+            <a:ext cx="2753834" cy="523220"/>
           </a:xfrm>
           <a:prstGeom prst="rect">
             <a:avLst/>
@@ -3908,15 +3913,15 @@
           <a:lstStyle/>
           <a:p>
             <a:r>
-              <a:rPr lang="it-IT" sz="1200" dirty="0"/>
+              <a:rPr lang="it-IT" sz="1400" b="1" dirty="0"/>
               <a:t>count_is_running &gt;= num_core  ||  </a:t>
             </a:r>
             <a:r>
-              <a:rPr lang="it-IT" sz="1200" dirty="0" err="1"/>
+              <a:rPr lang="it-IT" sz="1400" b="1" dirty="0" err="1"/>
               <a:t>job_is_not_minimun</a:t>
             </a:r>
             <a:r>
-              <a:rPr lang="it-IT" sz="1200" dirty="0"/>
+              <a:rPr lang="it-IT" sz="1400" b="1" dirty="0"/>
               <a:t>(num_core)</a:t>
             </a:r>
           </a:p>
@@ -3982,8 +3987,8 @@
         </p:nvSpPr>
         <p:spPr>
           <a:xfrm>
-            <a:off x="6783573" y="4175462"/>
-            <a:ext cx="2328531" cy="461665"/>
+            <a:off x="6150935" y="4451270"/>
+            <a:ext cx="2626244" cy="523220"/>
           </a:xfrm>
           <a:prstGeom prst="rect">
             <a:avLst/>
@@ -3997,15 +4002,15 @@
           <a:lstStyle/>
           <a:p>
             <a:r>
-              <a:rPr lang="it-IT" sz="1200" dirty="0"/>
+              <a:rPr lang="it-IT" sz="1400" b="1" dirty="0"/>
               <a:t>count_is_running &lt; num_core  &amp;&amp;  </a:t>
             </a:r>
             <a:r>
-              <a:rPr lang="it-IT" sz="1200" dirty="0" err="1"/>
+              <a:rPr lang="it-IT" sz="1400" b="1" dirty="0" err="1"/>
               <a:t>job_is_minimun</a:t>
             </a:r>
             <a:r>
-              <a:rPr lang="it-IT" sz="1200" dirty="0"/>
+              <a:rPr lang="it-IT" sz="1400" b="1" dirty="0"/>
               <a:t>(num_core)</a:t>
             </a:r>
           </a:p>
@@ -4206,7 +4211,7 @@
         <p:spPr>
           <a:xfrm>
             <a:off x="6974958" y="1362093"/>
-            <a:ext cx="1024270" cy="553998"/>
+            <a:ext cx="1424762" cy="584775"/>
           </a:xfrm>
           <a:prstGeom prst="rect">
             <a:avLst/>
@@ -4220,7 +4225,7 @@
           <a:lstStyle/>
           <a:p>
             <a:r>
-              <a:rPr lang="it-IT" sz="1200" dirty="0"/>
+              <a:rPr lang="it-IT" sz="1400" b="1" dirty="0"/>
               <a:t>duration == 0</a:t>
             </a:r>
           </a:p>
@@ -4243,8 +4248,8 @@
         </p:nvSpPr>
         <p:spPr>
           <a:xfrm>
-            <a:off x="3724940" y="1406446"/>
-            <a:ext cx="1658679" cy="738664"/>
+            <a:off x="3588488" y="1554488"/>
+            <a:ext cx="1977656" cy="800219"/>
           </a:xfrm>
           <a:prstGeom prst="rect">
             <a:avLst/>
@@ -4258,7 +4263,7 @@
           <a:lstStyle/>
           <a:p>
             <a:r>
-              <a:rPr lang="it-IT" sz="1200" dirty="0"/>
+              <a:rPr lang="it-IT" sz="1400" b="1" dirty="0"/>
               <a:t>duration &gt; 0  &amp;&amp; time_arriving == timing</a:t>
             </a:r>
           </a:p>
@@ -4407,8 +4412,8 @@
         </p:nvSpPr>
         <p:spPr>
           <a:xfrm>
-            <a:off x="8904766" y="2747685"/>
-            <a:ext cx="3088760" cy="646331"/>
+            <a:off x="8537944" y="2869913"/>
+            <a:ext cx="3654056" cy="738664"/>
           </a:xfrm>
           <a:prstGeom prst="rect">
             <a:avLst/>
@@ -4422,42 +4427,42 @@
           <a:lstStyle/>
           <a:p>
             <a:r>
-              <a:rPr lang="it-IT" sz="1200" dirty="0"/>
+              <a:rPr lang="it-IT" sz="1400" b="1" dirty="0"/>
               <a:t>duration == 0  &amp;&amp; </a:t>
             </a:r>
           </a:p>
           <a:p>
             <a:r>
-              <a:rPr lang="it-IT" sz="1200" dirty="0"/>
+              <a:rPr lang="it-IT" sz="1400" b="1" dirty="0"/>
               <a:t> </a:t>
             </a:r>
             <a:r>
-              <a:rPr lang="it-IT" sz="1200" dirty="0" err="1"/>
+              <a:rPr lang="it-IT" sz="1400" b="1" dirty="0" err="1"/>
               <a:t>count</a:t>
             </a:r>
             <a:r>
-              <a:rPr lang="it-IT" sz="1200" dirty="0"/>
+              <a:rPr lang="it-IT" sz="1400" b="1" dirty="0"/>
               <a:t>(ready, waiting, running, </a:t>
             </a:r>
             <a:r>
-              <a:rPr lang="it-IT" sz="1200" dirty="0" err="1"/>
+              <a:rPr lang="it-IT" sz="1400" b="1" dirty="0" err="1"/>
               <a:t>not_state</a:t>
             </a:r>
             <a:r>
-              <a:rPr lang="it-IT" sz="1200" dirty="0"/>
+              <a:rPr lang="it-IT" sz="1400" b="1" dirty="0"/>
               <a:t>) == 0</a:t>
             </a:r>
           </a:p>
           <a:p>
             <a:r>
-              <a:rPr lang="it-IT" sz="1200" dirty="0"/>
+              <a:rPr lang="it-IT" sz="1400" b="1" dirty="0"/>
               <a:t>&amp;&amp;  timing &gt;= </a:t>
             </a:r>
             <a:r>
-              <a:rPr lang="it-IT" sz="1200" dirty="0" err="1"/>
+              <a:rPr lang="it-IT" sz="1400" b="1" dirty="0" err="1"/>
               <a:t>max_time</a:t>
             </a:r>
-            <a:endParaRPr lang="it-IT" sz="1200" dirty="0"/>
+            <a:endParaRPr lang="it-IT" sz="1400" b="1" dirty="0"/>
           </a:p>
         </p:txBody>
       </p:sp>
